--- a/FinalProject_MicroLoan_LZ.pptx
+++ b/FinalProject_MicroLoan_LZ.pptx
@@ -5,10 +5,10 @@
     <p:sldMasterId id="2147483660" r:id="rId1"/>
   </p:sldMasterIdLst>
   <p:notesMasterIdLst>
-    <p:notesMasterId r:id="rId16"/>
+    <p:notesMasterId r:id="rId15"/>
   </p:notesMasterIdLst>
   <p:handoutMasterIdLst>
-    <p:handoutMasterId r:id="rId17"/>
+    <p:handoutMasterId r:id="rId16"/>
   </p:handoutMasterIdLst>
   <p:sldIdLst>
     <p:sldId id="256" r:id="rId2"/>
@@ -17,14 +17,13 @@
     <p:sldId id="284" r:id="rId5"/>
     <p:sldId id="288" r:id="rId6"/>
     <p:sldId id="305" r:id="rId7"/>
-    <p:sldId id="294" r:id="rId8"/>
-    <p:sldId id="308" r:id="rId9"/>
-    <p:sldId id="295" r:id="rId10"/>
-    <p:sldId id="304" r:id="rId11"/>
-    <p:sldId id="290" r:id="rId12"/>
-    <p:sldId id="310" r:id="rId13"/>
-    <p:sldId id="269" r:id="rId14"/>
-    <p:sldId id="289" r:id="rId15"/>
+    <p:sldId id="308" r:id="rId8"/>
+    <p:sldId id="295" r:id="rId9"/>
+    <p:sldId id="304" r:id="rId10"/>
+    <p:sldId id="290" r:id="rId11"/>
+    <p:sldId id="310" r:id="rId12"/>
+    <p:sldId id="269" r:id="rId13"/>
+    <p:sldId id="289" r:id="rId14"/>
   </p:sldIdLst>
   <p:sldSz cx="12188825" cy="6858000"/>
   <p:notesSz cx="6858000" cy="9144000"/>
@@ -1259,7 +1258,7 @@
             <a:fld id="{5FB91549-43BF-425A-AF25-75262019208C}" type="slidenum">
               <a:rPr lang="en-US" altLang="zh-CN" smtClean="0"/>
               <a:pPr/>
-              <a:t>8</a:t>
+              <a:t>7</a:t>
             </a:fld>
             <a:endParaRPr lang="zh-CN" altLang="en-US" dirty="0"/>
           </a:p>
@@ -1344,7 +1343,7 @@
             <a:fld id="{5FB91549-43BF-425A-AF25-75262019208C}" type="slidenum">
               <a:rPr lang="en-US" altLang="zh-CN" smtClean="0"/>
               <a:pPr/>
-              <a:t>9</a:t>
+              <a:t>8</a:t>
             </a:fld>
             <a:endParaRPr lang="zh-CN" altLang="en-US" dirty="0"/>
           </a:p>
@@ -1550,7 +1549,7 @@
             <a:fld id="{5FB91549-43BF-425A-AF25-75262019208C}" type="slidenum">
               <a:rPr lang="en-US" altLang="zh-CN" smtClean="0"/>
               <a:pPr/>
-              <a:t>12</a:t>
+              <a:t>11</a:t>
             </a:fld>
             <a:endParaRPr lang="zh-CN" altLang="en-US" dirty="0"/>
           </a:p>
@@ -1635,7 +1634,7 @@
             <a:fld id="{5FB91549-43BF-425A-AF25-75262019208C}" type="slidenum">
               <a:rPr lang="en-US" altLang="zh-CN" smtClean="0"/>
               <a:pPr/>
-              <a:t>14</a:t>
+              <a:t>13</a:t>
             </a:fld>
             <a:endParaRPr lang="zh-CN" altLang="en-US" dirty="0"/>
           </a:p>
@@ -5353,7 +5352,7 @@
         <p:spPr>
           <a:xfrm>
             <a:off x="619126" y="4919576"/>
-            <a:ext cx="3531070" cy="762000"/>
+            <a:ext cx="4179142" cy="762000"/>
           </a:xfrm>
         </p:spPr>
         <p:txBody>
@@ -5385,7 +5384,7 @@
                 <a:latin typeface="Arial" panose="020B0604020202020204" pitchFamily="34" charset="0"/>
                 <a:cs typeface="Arial" panose="020B0604020202020204" pitchFamily="34" charset="0"/>
               </a:rPr>
-              <a:t>micro loans of an internet bank</a:t>
+              <a:t>micro loans</a:t>
             </a:r>
             <a:endParaRPr lang="en-US" altLang="zh-CN" sz="1600" b="1" i="1" dirty="0">
               <a:solidFill>
@@ -5487,325 +5486,6 @@
 </file>
 
 <file path=ppt/slides/slide10.xml><?xml version="1.0" encoding="utf-8"?>
-<p:sld xmlns:a="http://schemas.openxmlformats.org/drawingml/2006/main" xmlns:r="http://schemas.openxmlformats.org/officeDocument/2006/relationships" xmlns:p="http://schemas.openxmlformats.org/presentationml/2006/main">
-  <p:cSld>
-    <p:spTree>
-      <p:nvGrpSpPr>
-        <p:cNvPr id="1" name=""/>
-        <p:cNvGrpSpPr/>
-        <p:nvPr/>
-      </p:nvGrpSpPr>
-      <p:grpSpPr>
-        <a:xfrm>
-          <a:off x="0" y="0"/>
-          <a:ext cx="0" cy="0"/>
-          <a:chOff x="0" y="0"/>
-          <a:chExt cx="0" cy="0"/>
-        </a:xfrm>
-      </p:grpSpPr>
-      <p:sp>
-        <p:nvSpPr>
-          <p:cNvPr id="5" name="标题 1">
-            <a:extLst>
-              <a:ext uri="{FF2B5EF4-FFF2-40B4-BE49-F238E27FC236}">
-                <a16:creationId xmlns:a16="http://schemas.microsoft.com/office/drawing/2014/main" id="{CA232F49-63F2-4D15-9C8D-13FBD4B65C75}"/>
-              </a:ext>
-            </a:extLst>
-          </p:cNvPr>
-          <p:cNvSpPr>
-            <a:spLocks noGrp="1"/>
-          </p:cNvSpPr>
-          <p:nvPr>
-            <p:ph type="title"/>
-          </p:nvPr>
-        </p:nvSpPr>
-        <p:spPr>
-          <a:xfrm>
-            <a:off x="405780" y="5446559"/>
-            <a:ext cx="10971372" cy="1066800"/>
-          </a:xfrm>
-        </p:spPr>
-        <p:txBody>
-          <a:bodyPr>
-            <a:normAutofit/>
-          </a:bodyPr>
-          <a:lstStyle/>
-          <a:p>
-            <a:r>
-              <a:rPr lang="en-US" altLang="zh-CN" dirty="0">
-                <a:latin typeface="Abadi Extra Light" panose="020B0204020104020204" pitchFamily="34" charset="0"/>
-              </a:rPr>
-              <a:t>3.4 data preparation – cleaning and </a:t>
-            </a:r>
-            <a:r>
-              <a:rPr lang="en-US" altLang="zh-CN" sz="3600" dirty="0">
-                <a:latin typeface="Abadi Extra Light" panose="020B0204020104020204" pitchFamily="34" charset="0"/>
-              </a:rPr>
-              <a:t>feature engineering</a:t>
-            </a:r>
-            <a:endParaRPr lang="zh-CN" altLang="en-US" dirty="0">
-              <a:latin typeface="Abadi Extra Light" panose="020B0204020104020204" pitchFamily="34" charset="0"/>
-            </a:endParaRPr>
-          </a:p>
-        </p:txBody>
-      </p:sp>
-      <p:pic>
-        <p:nvPicPr>
-          <p:cNvPr id="7" name="图片 6">
-            <a:extLst>
-              <a:ext uri="{FF2B5EF4-FFF2-40B4-BE49-F238E27FC236}">
-                <a16:creationId xmlns:a16="http://schemas.microsoft.com/office/drawing/2014/main" id="{A6E5C7A6-12DC-41D6-BFE0-870706AB99F0}"/>
-              </a:ext>
-            </a:extLst>
-          </p:cNvPr>
-          <p:cNvPicPr>
-            <a:picLocks noChangeAspect="1"/>
-          </p:cNvPicPr>
-          <p:nvPr/>
-        </p:nvPicPr>
-        <p:blipFill>
-          <a:blip r:embed="rId2"/>
-          <a:stretch>
-            <a:fillRect/>
-          </a:stretch>
-        </p:blipFill>
-        <p:spPr>
-          <a:xfrm>
-            <a:off x="549796" y="331337"/>
-            <a:ext cx="6618322" cy="5442195"/>
-          </a:xfrm>
-          <a:prstGeom prst="rect">
-            <a:avLst/>
-          </a:prstGeom>
-        </p:spPr>
-      </p:pic>
-      <p:pic>
-        <p:nvPicPr>
-          <p:cNvPr id="10" name="图片 9">
-            <a:extLst>
-              <a:ext uri="{FF2B5EF4-FFF2-40B4-BE49-F238E27FC236}">
-                <a16:creationId xmlns:a16="http://schemas.microsoft.com/office/drawing/2014/main" id="{E77C037A-A5D2-4D4D-90CC-14AFADED722A}"/>
-              </a:ext>
-            </a:extLst>
-          </p:cNvPr>
-          <p:cNvPicPr>
-            <a:picLocks noChangeAspect="1"/>
-          </p:cNvPicPr>
-          <p:nvPr/>
-        </p:nvPicPr>
-        <p:blipFill>
-          <a:blip r:embed="rId3"/>
-          <a:stretch>
-            <a:fillRect/>
-          </a:stretch>
-        </p:blipFill>
-        <p:spPr>
-          <a:xfrm>
-            <a:off x="8470676" y="346825"/>
-            <a:ext cx="2700760" cy="5442195"/>
-          </a:xfrm>
-          <a:prstGeom prst="rect">
-            <a:avLst/>
-          </a:prstGeom>
-        </p:spPr>
-      </p:pic>
-      <p:sp>
-        <p:nvSpPr>
-          <p:cNvPr id="12" name="矩形: 圆角 11">
-            <a:extLst>
-              <a:ext uri="{FF2B5EF4-FFF2-40B4-BE49-F238E27FC236}">
-                <a16:creationId xmlns:a16="http://schemas.microsoft.com/office/drawing/2014/main" id="{C49FF456-3027-4FB2-9E30-325076AEDA26}"/>
-              </a:ext>
-            </a:extLst>
-          </p:cNvPr>
-          <p:cNvSpPr/>
-          <p:nvPr/>
-        </p:nvSpPr>
-        <p:spPr>
-          <a:xfrm>
-            <a:off x="8686700" y="3067923"/>
-            <a:ext cx="1656184" cy="504056"/>
-          </a:xfrm>
-          <a:prstGeom prst="roundRect">
-            <a:avLst/>
-          </a:prstGeom>
-          <a:noFill/>
-          <a:ln>
-            <a:solidFill>
-              <a:srgbClr val="C00000"/>
-            </a:solidFill>
-          </a:ln>
-        </p:spPr>
-        <p:style>
-          <a:lnRef idx="0">
-            <a:scrgbClr r="0" g="0" b="0"/>
-          </a:lnRef>
-          <a:fillRef idx="0">
-            <a:scrgbClr r="0" g="0" b="0"/>
-          </a:fillRef>
-          <a:effectRef idx="0">
-            <a:scrgbClr r="0" g="0" b="0"/>
-          </a:effectRef>
-          <a:fontRef idx="minor">
-            <a:schemeClr val="lt1"/>
-          </a:fontRef>
-        </p:style>
-        <p:txBody>
-          <a:bodyPr rtlCol="0" anchor="ctr"/>
-          <a:lstStyle/>
-          <a:p>
-            <a:pPr algn="ctr"/>
-            <a:endParaRPr lang="zh-CN" altLang="en-US" sz="1600" b="1" dirty="0">
-              <a:solidFill>
-                <a:schemeClr val="bg1">
-                  <a:lumMod val="75000"/>
-                </a:schemeClr>
-              </a:solidFill>
-              <a:latin typeface="Abadi Extra Light" panose="020B0204020104020204" pitchFamily="34" charset="0"/>
-            </a:endParaRPr>
-          </a:p>
-        </p:txBody>
-      </p:sp>
-      <p:sp>
-        <p:nvSpPr>
-          <p:cNvPr id="13" name="矩形: 圆角 12">
-            <a:extLst>
-              <a:ext uri="{FF2B5EF4-FFF2-40B4-BE49-F238E27FC236}">
-                <a16:creationId xmlns:a16="http://schemas.microsoft.com/office/drawing/2014/main" id="{019CD06F-34B2-4E9A-9388-0240AE62523F}"/>
-              </a:ext>
-            </a:extLst>
-          </p:cNvPr>
-          <p:cNvSpPr/>
-          <p:nvPr/>
-        </p:nvSpPr>
-        <p:spPr>
-          <a:xfrm>
-            <a:off x="8686700" y="2121243"/>
-            <a:ext cx="1656184" cy="504056"/>
-          </a:xfrm>
-          <a:prstGeom prst="roundRect">
-            <a:avLst/>
-          </a:prstGeom>
-          <a:noFill/>
-          <a:ln>
-            <a:solidFill>
-              <a:srgbClr val="C00000"/>
-            </a:solidFill>
-          </a:ln>
-        </p:spPr>
-        <p:style>
-          <a:lnRef idx="0">
-            <a:scrgbClr r="0" g="0" b="0"/>
-          </a:lnRef>
-          <a:fillRef idx="0">
-            <a:scrgbClr r="0" g="0" b="0"/>
-          </a:fillRef>
-          <a:effectRef idx="0">
-            <a:scrgbClr r="0" g="0" b="0"/>
-          </a:effectRef>
-          <a:fontRef idx="minor">
-            <a:schemeClr val="lt1"/>
-          </a:fontRef>
-        </p:style>
-        <p:txBody>
-          <a:bodyPr rtlCol="0" anchor="ctr"/>
-          <a:lstStyle/>
-          <a:p>
-            <a:pPr algn="ctr"/>
-            <a:endParaRPr lang="zh-CN" altLang="en-US" sz="1600" b="1" dirty="0">
-              <a:solidFill>
-                <a:schemeClr val="bg1">
-                  <a:lumMod val="75000"/>
-                </a:schemeClr>
-              </a:solidFill>
-              <a:latin typeface="Abadi Extra Light" panose="020B0204020104020204" pitchFamily="34" charset="0"/>
-            </a:endParaRPr>
-          </a:p>
-        </p:txBody>
-      </p:sp>
-      <p:sp>
-        <p:nvSpPr>
-          <p:cNvPr id="14" name="矩形: 圆角 13">
-            <a:extLst>
-              <a:ext uri="{FF2B5EF4-FFF2-40B4-BE49-F238E27FC236}">
-                <a16:creationId xmlns:a16="http://schemas.microsoft.com/office/drawing/2014/main" id="{9472F584-BDB9-4E5E-9854-772BDF9734AB}"/>
-              </a:ext>
-            </a:extLst>
-          </p:cNvPr>
-          <p:cNvSpPr/>
-          <p:nvPr/>
-        </p:nvSpPr>
-        <p:spPr>
-          <a:xfrm>
-            <a:off x="657809" y="3090889"/>
-            <a:ext cx="2376264" cy="504056"/>
-          </a:xfrm>
-          <a:prstGeom prst="roundRect">
-            <a:avLst/>
-          </a:prstGeom>
-          <a:noFill/>
-          <a:ln>
-            <a:solidFill>
-              <a:srgbClr val="C00000"/>
-            </a:solidFill>
-          </a:ln>
-        </p:spPr>
-        <p:style>
-          <a:lnRef idx="0">
-            <a:scrgbClr r="0" g="0" b="0"/>
-          </a:lnRef>
-          <a:fillRef idx="0">
-            <a:scrgbClr r="0" g="0" b="0"/>
-          </a:fillRef>
-          <a:effectRef idx="0">
-            <a:scrgbClr r="0" g="0" b="0"/>
-          </a:effectRef>
-          <a:fontRef idx="minor">
-            <a:schemeClr val="lt1"/>
-          </a:fontRef>
-        </p:style>
-        <p:txBody>
-          <a:bodyPr rtlCol="0" anchor="ctr"/>
-          <a:lstStyle/>
-          <a:p>
-            <a:pPr algn="ctr"/>
-            <a:endParaRPr lang="zh-CN" altLang="en-US" sz="1600" b="1" dirty="0">
-              <a:solidFill>
-                <a:schemeClr val="bg1">
-                  <a:lumMod val="75000"/>
-                </a:schemeClr>
-              </a:solidFill>
-              <a:latin typeface="Abadi Extra Light" panose="020B0204020104020204" pitchFamily="34" charset="0"/>
-            </a:endParaRPr>
-          </a:p>
-        </p:txBody>
-      </p:sp>
-    </p:spTree>
-    <p:extLst>
-      <p:ext uri="{BB962C8B-B14F-4D97-AF65-F5344CB8AC3E}">
-        <p14:creationId xmlns:p14="http://schemas.microsoft.com/office/powerpoint/2010/main" val="60254246"/>
-      </p:ext>
-    </p:extLst>
-  </p:cSld>
-  <p:clrMapOvr>
-    <a:masterClrMapping/>
-  </p:clrMapOvr>
-  <mc:AlternateContent xmlns:mc="http://schemas.openxmlformats.org/markup-compatibility/2006" xmlns:p14="http://schemas.microsoft.com/office/powerpoint/2010/main">
-    <mc:Choice Requires="p14">
-      <p:transition spd="med" p14:dur="700">
-        <p:fade/>
-      </p:transition>
-    </mc:Choice>
-    <mc:Fallback xmlns="">
-      <p:transition spd="med">
-        <p:fade/>
-      </p:transition>
-    </mc:Fallback>
-  </mc:AlternateContent>
-</p:sld>
-</file>
-
-<file path=ppt/slides/slide11.xml><?xml version="1.0" encoding="utf-8"?>
 <p:sld xmlns:a="http://schemas.openxmlformats.org/drawingml/2006/main" xmlns:r="http://schemas.openxmlformats.org/officeDocument/2006/relationships" xmlns:p="http://schemas.openxmlformats.org/presentationml/2006/main">
   <p:cSld>
     <p:spTree>
@@ -7305,7 +6985,7 @@
         </p:nvSpPr>
         <p:spPr>
           <a:xfrm>
-            <a:off x="4894416" y="3891623"/>
+            <a:off x="4894983" y="3614331"/>
             <a:ext cx="1381810" cy="461665"/>
           </a:xfrm>
           <a:prstGeom prst="rect">
@@ -7418,7 +7098,7 @@
 </p:sld>
 </file>
 
-<file path=ppt/slides/slide12.xml><?xml version="1.0" encoding="utf-8"?>
+<file path=ppt/slides/slide11.xml><?xml version="1.0" encoding="utf-8"?>
 <p:sld xmlns:a="http://schemas.openxmlformats.org/drawingml/2006/main" xmlns:r="http://schemas.openxmlformats.org/officeDocument/2006/relationships" xmlns:p="http://schemas.openxmlformats.org/presentationml/2006/main">
   <p:cSld>
     <p:spTree>
@@ -7746,7 +7426,7 @@
         </p:blipFill>
         <p:spPr>
           <a:xfrm>
-            <a:off x="609441" y="1362075"/>
+            <a:off x="609441" y="1268760"/>
             <a:ext cx="6572250" cy="2066925"/>
           </a:xfrm>
           <a:prstGeom prst="rect">
@@ -8027,6 +7707,120 @@
           </a:p>
         </p:txBody>
       </p:sp>
+      <p:sp>
+        <p:nvSpPr>
+          <p:cNvPr id="15" name="矩形: 圆角 14">
+            <a:extLst>
+              <a:ext uri="{FF2B5EF4-FFF2-40B4-BE49-F238E27FC236}">
+                <a16:creationId xmlns:a16="http://schemas.microsoft.com/office/drawing/2014/main" id="{381C8893-38A1-49A9-9813-29D7D9DB27C5}"/>
+              </a:ext>
+            </a:extLst>
+          </p:cNvPr>
+          <p:cNvSpPr/>
+          <p:nvPr/>
+        </p:nvSpPr>
+        <p:spPr>
+          <a:xfrm>
+            <a:off x="968296" y="4206425"/>
+            <a:ext cx="1525716" cy="210679"/>
+          </a:xfrm>
+          <a:prstGeom prst="roundRect">
+            <a:avLst/>
+          </a:prstGeom>
+          <a:noFill/>
+          <a:ln>
+            <a:solidFill>
+              <a:srgbClr val="C00000"/>
+            </a:solidFill>
+          </a:ln>
+        </p:spPr>
+        <p:style>
+          <a:lnRef idx="2">
+            <a:schemeClr val="accent1"/>
+          </a:lnRef>
+          <a:fillRef idx="1">
+            <a:schemeClr val="lt1"/>
+          </a:fillRef>
+          <a:effectRef idx="0">
+            <a:schemeClr val="accent1"/>
+          </a:effectRef>
+          <a:fontRef idx="minor">
+            <a:schemeClr val="dk1"/>
+          </a:fontRef>
+        </p:style>
+        <p:txBody>
+          <a:bodyPr rtlCol="0" anchor="ctr"/>
+          <a:lstStyle/>
+          <a:p>
+            <a:pPr algn="ctr"/>
+            <a:endParaRPr lang="zh-CN" altLang="en-US" sz="1600" b="1" dirty="0">
+              <a:solidFill>
+                <a:schemeClr val="bg1">
+                  <a:lumMod val="75000"/>
+                </a:schemeClr>
+              </a:solidFill>
+              <a:latin typeface="Abadi Extra Light" panose="020B0204020104020204" pitchFamily="34" charset="0"/>
+            </a:endParaRPr>
+          </a:p>
+        </p:txBody>
+      </p:sp>
+      <p:sp>
+        <p:nvSpPr>
+          <p:cNvPr id="16" name="矩形: 圆角 15">
+            <a:extLst>
+              <a:ext uri="{FF2B5EF4-FFF2-40B4-BE49-F238E27FC236}">
+                <a16:creationId xmlns:a16="http://schemas.microsoft.com/office/drawing/2014/main" id="{49CCE30E-EDF9-4546-AFB9-169BA67244E3}"/>
+              </a:ext>
+            </a:extLst>
+          </p:cNvPr>
+          <p:cNvSpPr/>
+          <p:nvPr/>
+        </p:nvSpPr>
+        <p:spPr>
+          <a:xfrm>
+            <a:off x="6550918" y="5166606"/>
+            <a:ext cx="2792238" cy="214994"/>
+          </a:xfrm>
+          <a:prstGeom prst="roundRect">
+            <a:avLst/>
+          </a:prstGeom>
+          <a:noFill/>
+          <a:ln>
+            <a:solidFill>
+              <a:srgbClr val="C00000"/>
+            </a:solidFill>
+          </a:ln>
+        </p:spPr>
+        <p:style>
+          <a:lnRef idx="2">
+            <a:schemeClr val="accent1"/>
+          </a:lnRef>
+          <a:fillRef idx="1">
+            <a:schemeClr val="lt1"/>
+          </a:fillRef>
+          <a:effectRef idx="0">
+            <a:schemeClr val="accent1"/>
+          </a:effectRef>
+          <a:fontRef idx="minor">
+            <a:schemeClr val="dk1"/>
+          </a:fontRef>
+        </p:style>
+        <p:txBody>
+          <a:bodyPr rtlCol="0" anchor="ctr"/>
+          <a:lstStyle/>
+          <a:p>
+            <a:pPr algn="ctr"/>
+            <a:endParaRPr lang="zh-CN" altLang="en-US" sz="1600" b="1" dirty="0">
+              <a:solidFill>
+                <a:schemeClr val="bg1">
+                  <a:lumMod val="75000"/>
+                </a:schemeClr>
+              </a:solidFill>
+              <a:latin typeface="Abadi Extra Light" panose="020B0204020104020204" pitchFamily="34" charset="0"/>
+            </a:endParaRPr>
+          </a:p>
+        </p:txBody>
+      </p:sp>
     </p:spTree>
     <p:extLst>
       <p:ext uri="{BB962C8B-B14F-4D97-AF65-F5344CB8AC3E}">
@@ -8037,13 +7831,13 @@
   <p:clrMapOvr>
     <a:masterClrMapping/>
   </p:clrMapOvr>
-  <mc:AlternateContent xmlns:mc="http://schemas.openxmlformats.org/markup-compatibility/2006">
-    <mc:Choice xmlns:p14="http://schemas.microsoft.com/office/powerpoint/2010/main" Requires="p14">
+  <mc:AlternateContent xmlns:mc="http://schemas.openxmlformats.org/markup-compatibility/2006" xmlns:p14="http://schemas.microsoft.com/office/powerpoint/2010/main">
+    <mc:Choice Requires="p14">
       <p:transition spd="med" p14:dur="700">
         <p:fade/>
       </p:transition>
     </mc:Choice>
-    <mc:Fallback>
+    <mc:Fallback xmlns="">
       <p:transition spd="med">
         <p:fade/>
       </p:transition>
@@ -8052,7 +7846,7 @@
 </p:sld>
 </file>
 
-<file path=ppt/slides/slide13.xml><?xml version="1.0" encoding="utf-8"?>
+<file path=ppt/slides/slide12.xml><?xml version="1.0" encoding="utf-8"?>
 <p:sld xmlns:a="http://schemas.openxmlformats.org/drawingml/2006/main" xmlns:r="http://schemas.openxmlformats.org/officeDocument/2006/relationships" xmlns:p="http://schemas.openxmlformats.org/presentationml/2006/main">
   <p:cSld>
     <p:spTree>
@@ -8520,7 +8314,7 @@
 </p:sld>
 </file>
 
-<file path=ppt/slides/slide14.xml><?xml version="1.0" encoding="utf-8"?>
+<file path=ppt/slides/slide13.xml><?xml version="1.0" encoding="utf-8"?>
 <p:sld xmlns:a="http://schemas.openxmlformats.org/drawingml/2006/main" xmlns:r="http://schemas.openxmlformats.org/officeDocument/2006/relationships" xmlns:p="http://schemas.openxmlformats.org/presentationml/2006/main">
   <p:cSld>
     <p:spTree>
@@ -9763,16 +9557,15 @@
           </p:cNvPicPr>
           <p:nvPr/>
         </p:nvPicPr>
-        <p:blipFill>
+        <p:blipFill rotWithShape="1">
           <a:blip r:embed="rId4"/>
-          <a:stretch>
-            <a:fillRect/>
-          </a:stretch>
+          <a:srcRect t="11442" b="47750"/>
+          <a:stretch/>
         </p:blipFill>
         <p:spPr>
           <a:xfrm>
-            <a:off x="5665967" y="3575155"/>
-            <a:ext cx="5541013" cy="2614177"/>
+            <a:off x="5632702" y="4376177"/>
+            <a:ext cx="5541013" cy="1066800"/>
           </a:xfrm>
           <a:prstGeom prst="rect">
             <a:avLst/>
@@ -9793,8 +9586,8 @@
         </p:nvSpPr>
         <p:spPr>
           <a:xfrm>
-            <a:off x="5716994" y="5898868"/>
-            <a:ext cx="5318835" cy="216023"/>
+            <a:off x="5632702" y="5445224"/>
+            <a:ext cx="5541013" cy="215444"/>
           </a:xfrm>
           <a:prstGeom prst="rect">
             <a:avLst/>
@@ -9827,7 +9620,7 @@
           <a:p>
             <a:r>
               <a:rPr lang="en-US" altLang="zh-CN" sz="800" dirty="0"/>
-              <a:t>Source: Microfinance in the European Union: Market analysis and recommendations for delivery options in 2021-2027</a:t>
+              <a:t>  Source: Microfinance in the European Union: Market analysis and recommendations for delivery options in 2021-2027</a:t>
             </a:r>
             <a:endParaRPr lang="zh-CN" altLang="en-US" sz="800" dirty="0"/>
           </a:p>
@@ -9894,7 +9687,7 @@
         </p:nvSpPr>
         <p:spPr>
           <a:xfrm rot="5400000">
-            <a:off x="8273235" y="3037474"/>
+            <a:off x="8169763" y="3217360"/>
             <a:ext cx="466889" cy="569168"/>
           </a:xfrm>
           <a:prstGeom prst="rightArrow">
@@ -9924,6 +9717,49 @@
           <a:p>
             <a:pPr algn="ctr"/>
             <a:endParaRPr lang="zh-CN" altLang="en-US" dirty="0"/>
+          </a:p>
+        </p:txBody>
+      </p:sp>
+      <p:sp>
+        <p:nvSpPr>
+          <p:cNvPr id="5" name="文本框 4">
+            <a:extLst>
+              <a:ext uri="{FF2B5EF4-FFF2-40B4-BE49-F238E27FC236}">
+                <a16:creationId xmlns:a16="http://schemas.microsoft.com/office/drawing/2014/main" id="{802001F6-563A-40D2-88E7-681FAFEF352B}"/>
+              </a:ext>
+            </a:extLst>
+          </p:cNvPr>
+          <p:cNvSpPr txBox="1"/>
+          <p:nvPr/>
+        </p:nvSpPr>
+        <p:spPr>
+          <a:xfrm>
+            <a:off x="6350291" y="3791913"/>
+            <a:ext cx="4131276" cy="369332"/>
+          </a:xfrm>
+          <a:prstGeom prst="rect">
+            <a:avLst/>
+          </a:prstGeom>
+          <a:noFill/>
+          <a:ln>
+            <a:noFill/>
+          </a:ln>
+        </p:spPr>
+        <p:txBody>
+          <a:bodyPr wrap="square" rtlCol="0" anchor="ctr" anchorCtr="1">
+            <a:spAutoFit/>
+          </a:bodyPr>
+          <a:lstStyle/>
+          <a:p>
+            <a:r>
+              <a:rPr lang="en-US" altLang="zh-CN" b="1" dirty="0">
+                <a:latin typeface="Abadi Extra Light" panose="020B0204020104020204" pitchFamily="34" charset="0"/>
+              </a:rPr>
+              <a:t>10 SDG goals connected to microfinance</a:t>
+            </a:r>
+            <a:endParaRPr lang="zh-CN" altLang="en-US" b="1" dirty="0">
+              <a:latin typeface="Abadi Extra Light" panose="020B0204020104020204" pitchFamily="34" charset="0"/>
+            </a:endParaRPr>
           </a:p>
         </p:txBody>
       </p:sp>
@@ -10514,7 +10350,7 @@
               <a:rPr lang="en-US" altLang="zh-CN" dirty="0">
                 <a:latin typeface="Abadi Extra Light" panose="020B0204020104020204" pitchFamily="34" charset="0"/>
               </a:rPr>
-              <a:t>3. ML pipeline </a:t>
+              <a:t>3. Machine Learning pipeline </a:t>
             </a:r>
             <a:endParaRPr lang="zh-CN" altLang="en-US" dirty="0">
               <a:latin typeface="Abadi Extra Light" panose="020B0204020104020204" pitchFamily="34" charset="0"/>
@@ -10536,7 +10372,7 @@
         </p:nvGrpSpPr>
         <p:grpSpPr>
           <a:xfrm>
-            <a:off x="621804" y="798827"/>
+            <a:off x="981844" y="697562"/>
             <a:ext cx="7128792" cy="5128005"/>
             <a:chOff x="837828" y="510795"/>
             <a:chExt cx="7128792" cy="5128005"/>
@@ -11763,8 +11599,8 @@
         </p:blipFill>
         <p:spPr>
           <a:xfrm>
-            <a:off x="628234" y="908720"/>
-            <a:ext cx="7966152" cy="2711235"/>
+            <a:off x="549796" y="327931"/>
+            <a:ext cx="7750128" cy="2637712"/>
           </a:xfrm>
           <a:prstGeom prst="rect">
             <a:avLst/>
@@ -11825,8 +11661,38 @@
         </p:blipFill>
         <p:spPr>
           <a:xfrm>
-            <a:off x="4942284" y="2660859"/>
+            <a:off x="4663428" y="1916832"/>
             <a:ext cx="5544616" cy="2592726"/>
+          </a:xfrm>
+          <a:prstGeom prst="rect">
+            <a:avLst/>
+          </a:prstGeom>
+        </p:spPr>
+      </p:pic>
+      <p:pic>
+        <p:nvPicPr>
+          <p:cNvPr id="3" name="图片 2">
+            <a:extLst>
+              <a:ext uri="{FF2B5EF4-FFF2-40B4-BE49-F238E27FC236}">
+                <a16:creationId xmlns:a16="http://schemas.microsoft.com/office/drawing/2014/main" id="{F43668C9-E4BA-42D3-AB51-E27E5B579A21}"/>
+              </a:ext>
+            </a:extLst>
+          </p:cNvPr>
+          <p:cNvPicPr>
+            <a:picLocks noChangeAspect="1"/>
+          </p:cNvPicPr>
+          <p:nvPr/>
+        </p:nvPicPr>
+        <p:blipFill>
+          <a:blip r:embed="rId5"/>
+          <a:stretch>
+            <a:fillRect/>
+          </a:stretch>
+        </p:blipFill>
+        <p:spPr>
+          <a:xfrm>
+            <a:off x="7534572" y="4442684"/>
+            <a:ext cx="3824861" cy="1834710"/>
           </a:xfrm>
           <a:prstGeom prst="rect">
             <a:avLst/>
@@ -11859,222 +11725,6 @@
 </file>
 
 <file path=ppt/slides/slide7.xml><?xml version="1.0" encoding="utf-8"?>
-<p:sld xmlns:a="http://schemas.openxmlformats.org/drawingml/2006/main" xmlns:r="http://schemas.openxmlformats.org/officeDocument/2006/relationships" xmlns:p="http://schemas.openxmlformats.org/presentationml/2006/main">
-  <p:cSld>
-    <p:spTree>
-      <p:nvGrpSpPr>
-        <p:cNvPr id="1" name=""/>
-        <p:cNvGrpSpPr/>
-        <p:nvPr/>
-      </p:nvGrpSpPr>
-      <p:grpSpPr>
-        <a:xfrm>
-          <a:off x="0" y="0"/>
-          <a:ext cx="0" cy="0"/>
-          <a:chOff x="0" y="0"/>
-          <a:chExt cx="0" cy="0"/>
-        </a:xfrm>
-      </p:grpSpPr>
-      <p:sp>
-        <p:nvSpPr>
-          <p:cNvPr id="11" name="标题 10">
-            <a:extLst>
-              <a:ext uri="{FF2B5EF4-FFF2-40B4-BE49-F238E27FC236}">
-                <a16:creationId xmlns:a16="http://schemas.microsoft.com/office/drawing/2014/main" id="{42D64FF4-642F-427B-91B4-825C700E5A0A}"/>
-              </a:ext>
-            </a:extLst>
-          </p:cNvPr>
-          <p:cNvSpPr>
-            <a:spLocks noGrp="1"/>
-          </p:cNvSpPr>
-          <p:nvPr>
-            <p:ph type="title"/>
-          </p:nvPr>
-        </p:nvSpPr>
-        <p:spPr/>
-        <p:txBody>
-          <a:bodyPr/>
-          <a:lstStyle/>
-          <a:p>
-            <a:r>
-              <a:rPr lang="en-US" altLang="zh-CN" dirty="0">
-                <a:latin typeface="Abadi Extra Light" panose="020B0204020104020204" pitchFamily="34" charset="0"/>
-              </a:rPr>
-              <a:t>3.1Exploratory data analysis – Missing values</a:t>
-            </a:r>
-            <a:endParaRPr lang="zh-CN" altLang="en-US" dirty="0">
-              <a:latin typeface="Abadi Extra Light" panose="020B0204020104020204" pitchFamily="34" charset="0"/>
-            </a:endParaRPr>
-          </a:p>
-        </p:txBody>
-      </p:sp>
-      <p:pic>
-        <p:nvPicPr>
-          <p:cNvPr id="5" name="图片 4">
-            <a:extLst>
-              <a:ext uri="{FF2B5EF4-FFF2-40B4-BE49-F238E27FC236}">
-                <a16:creationId xmlns:a16="http://schemas.microsoft.com/office/drawing/2014/main" id="{CAAB8B18-59A1-455F-B601-F76C6A64F00D}"/>
-              </a:ext>
-            </a:extLst>
-          </p:cNvPr>
-          <p:cNvPicPr>
-            <a:picLocks noChangeAspect="1"/>
-          </p:cNvPicPr>
-          <p:nvPr/>
-        </p:nvPicPr>
-        <p:blipFill rotWithShape="1">
-          <a:blip r:embed="rId2"/>
-          <a:srcRect l="14511" t="28403" r="9707" b="7768"/>
-          <a:stretch/>
-        </p:blipFill>
-        <p:spPr>
-          <a:xfrm>
-            <a:off x="644940" y="980728"/>
-            <a:ext cx="9150723" cy="4392488"/>
-          </a:xfrm>
-          <a:prstGeom prst="rect">
-            <a:avLst/>
-          </a:prstGeom>
-        </p:spPr>
-      </p:pic>
-      <p:sp>
-        <p:nvSpPr>
-          <p:cNvPr id="2" name="矩形: 圆角 1">
-            <a:extLst>
-              <a:ext uri="{FF2B5EF4-FFF2-40B4-BE49-F238E27FC236}">
-                <a16:creationId xmlns:a16="http://schemas.microsoft.com/office/drawing/2014/main" id="{7D14D3D5-6261-41ED-8FDB-F3325BFD1BC0}"/>
-              </a:ext>
-            </a:extLst>
-          </p:cNvPr>
-          <p:cNvSpPr/>
-          <p:nvPr/>
-        </p:nvSpPr>
-        <p:spPr>
-          <a:xfrm>
-            <a:off x="6454452" y="1680592"/>
-            <a:ext cx="2448272" cy="144016"/>
-          </a:xfrm>
-          <a:prstGeom prst="roundRect">
-            <a:avLst/>
-          </a:prstGeom>
-          <a:ln>
-            <a:solidFill>
-              <a:srgbClr val="C00000"/>
-            </a:solidFill>
-          </a:ln>
-        </p:spPr>
-        <p:style>
-          <a:lnRef idx="2">
-            <a:schemeClr val="accent6"/>
-          </a:lnRef>
-          <a:fillRef idx="1">
-            <a:schemeClr val="lt1"/>
-          </a:fillRef>
-          <a:effectRef idx="0">
-            <a:schemeClr val="accent6"/>
-          </a:effectRef>
-          <a:fontRef idx="minor">
-            <a:schemeClr val="dk1"/>
-          </a:fontRef>
-        </p:style>
-        <p:txBody>
-          <a:bodyPr rtlCol="0" anchor="ctr"/>
-          <a:lstStyle/>
-          <a:p>
-            <a:pPr algn="ctr"/>
-            <a:endParaRPr lang="zh-CN" altLang="en-US" sz="1600" b="1" dirty="0">
-              <a:solidFill>
-                <a:schemeClr val="bg1">
-                  <a:lumMod val="75000"/>
-                </a:schemeClr>
-              </a:solidFill>
-              <a:latin typeface="Abadi Extra Light" panose="020B0204020104020204" pitchFamily="34" charset="0"/>
-            </a:endParaRPr>
-          </a:p>
-        </p:txBody>
-      </p:sp>
-      <p:sp>
-        <p:nvSpPr>
-          <p:cNvPr id="6" name="矩形: 圆角 5">
-            <a:extLst>
-              <a:ext uri="{FF2B5EF4-FFF2-40B4-BE49-F238E27FC236}">
-                <a16:creationId xmlns:a16="http://schemas.microsoft.com/office/drawing/2014/main" id="{AEDBB59A-69ED-4F90-A2FC-040BF48408FB}"/>
-              </a:ext>
-            </a:extLst>
-          </p:cNvPr>
-          <p:cNvSpPr/>
-          <p:nvPr/>
-        </p:nvSpPr>
-        <p:spPr>
-          <a:xfrm>
-            <a:off x="2566020" y="1680592"/>
-            <a:ext cx="288032" cy="144016"/>
-          </a:xfrm>
-          <a:prstGeom prst="roundRect">
-            <a:avLst/>
-          </a:prstGeom>
-          <a:ln>
-            <a:solidFill>
-              <a:srgbClr val="C00000"/>
-            </a:solidFill>
-          </a:ln>
-        </p:spPr>
-        <p:style>
-          <a:lnRef idx="2">
-            <a:schemeClr val="accent6"/>
-          </a:lnRef>
-          <a:fillRef idx="1">
-            <a:schemeClr val="lt1"/>
-          </a:fillRef>
-          <a:effectRef idx="0">
-            <a:schemeClr val="accent6"/>
-          </a:effectRef>
-          <a:fontRef idx="minor">
-            <a:schemeClr val="dk1"/>
-          </a:fontRef>
-        </p:style>
-        <p:txBody>
-          <a:bodyPr rtlCol="0" anchor="ctr"/>
-          <a:lstStyle/>
-          <a:p>
-            <a:pPr algn="ctr"/>
-            <a:endParaRPr lang="zh-CN" altLang="en-US" sz="1600" b="1" dirty="0">
-              <a:solidFill>
-                <a:schemeClr val="bg1">
-                  <a:lumMod val="75000"/>
-                </a:schemeClr>
-              </a:solidFill>
-              <a:latin typeface="Abadi Extra Light" panose="020B0204020104020204" pitchFamily="34" charset="0"/>
-            </a:endParaRPr>
-          </a:p>
-        </p:txBody>
-      </p:sp>
-    </p:spTree>
-    <p:extLst>
-      <p:ext uri="{BB962C8B-B14F-4D97-AF65-F5344CB8AC3E}">
-        <p14:creationId xmlns:p14="http://schemas.microsoft.com/office/powerpoint/2010/main" val="3753286677"/>
-      </p:ext>
-    </p:extLst>
-  </p:cSld>
-  <p:clrMapOvr>
-    <a:masterClrMapping/>
-  </p:clrMapOvr>
-  <mc:AlternateContent xmlns:mc="http://schemas.openxmlformats.org/markup-compatibility/2006" xmlns:p14="http://schemas.microsoft.com/office/powerpoint/2010/main">
-    <mc:Choice Requires="p14">
-      <p:transition spd="med" p14:dur="700">
-        <p:fade/>
-      </p:transition>
-    </mc:Choice>
-    <mc:Fallback xmlns="">
-      <p:transition spd="med">
-        <p:fade/>
-      </p:transition>
-    </mc:Fallback>
-  </mc:AlternateContent>
-</p:sld>
-</file>
-
-<file path=ppt/slides/slide8.xml><?xml version="1.0" encoding="utf-8"?>
 <p:sld xmlns:a="http://schemas.openxmlformats.org/drawingml/2006/main" xmlns:r="http://schemas.openxmlformats.org/officeDocument/2006/relationships" xmlns:p="http://schemas.openxmlformats.org/presentationml/2006/main">
   <p:cSld>
     <p:spTree>
@@ -12389,13 +12039,13 @@
   <p:clrMapOvr>
     <a:masterClrMapping/>
   </p:clrMapOvr>
-  <mc:AlternateContent xmlns:mc="http://schemas.openxmlformats.org/markup-compatibility/2006">
-    <mc:Choice xmlns:p14="http://schemas.microsoft.com/office/powerpoint/2010/main" Requires="p14">
+  <mc:AlternateContent xmlns:mc="http://schemas.openxmlformats.org/markup-compatibility/2006" xmlns:p14="http://schemas.microsoft.com/office/powerpoint/2010/main">
+    <mc:Choice Requires="p14">
       <p:transition spd="med" p14:dur="700">
         <p:fade/>
       </p:transition>
     </mc:Choice>
-    <mc:Fallback>
+    <mc:Fallback xmlns="">
       <p:transition spd="med">
         <p:fade/>
       </p:transition>
@@ -12404,7 +12054,7 @@
 </p:sld>
 </file>
 
-<file path=ppt/slides/slide9.xml><?xml version="1.0" encoding="utf-8"?>
+<file path=ppt/slides/slide8.xml><?xml version="1.0" encoding="utf-8"?>
 <p:sld xmlns:a="http://schemas.openxmlformats.org/drawingml/2006/main" xmlns:r="http://schemas.openxmlformats.org/officeDocument/2006/relationships" xmlns:p="http://schemas.openxmlformats.org/presentationml/2006/main">
   <p:cSld>
     <p:spTree>
@@ -12643,6 +12293,325 @@
     <p:extLst>
       <p:ext uri="{BB962C8B-B14F-4D97-AF65-F5344CB8AC3E}">
         <p14:creationId xmlns:p14="http://schemas.microsoft.com/office/powerpoint/2010/main" val="2654866296"/>
+      </p:ext>
+    </p:extLst>
+  </p:cSld>
+  <p:clrMapOvr>
+    <a:masterClrMapping/>
+  </p:clrMapOvr>
+  <mc:AlternateContent xmlns:mc="http://schemas.openxmlformats.org/markup-compatibility/2006" xmlns:p14="http://schemas.microsoft.com/office/powerpoint/2010/main">
+    <mc:Choice Requires="p14">
+      <p:transition spd="med" p14:dur="700">
+        <p:fade/>
+      </p:transition>
+    </mc:Choice>
+    <mc:Fallback xmlns="">
+      <p:transition spd="med">
+        <p:fade/>
+      </p:transition>
+    </mc:Fallback>
+  </mc:AlternateContent>
+</p:sld>
+</file>
+
+<file path=ppt/slides/slide9.xml><?xml version="1.0" encoding="utf-8"?>
+<p:sld xmlns:a="http://schemas.openxmlformats.org/drawingml/2006/main" xmlns:r="http://schemas.openxmlformats.org/officeDocument/2006/relationships" xmlns:p="http://schemas.openxmlformats.org/presentationml/2006/main">
+  <p:cSld>
+    <p:spTree>
+      <p:nvGrpSpPr>
+        <p:cNvPr id="1" name=""/>
+        <p:cNvGrpSpPr/>
+        <p:nvPr/>
+      </p:nvGrpSpPr>
+      <p:grpSpPr>
+        <a:xfrm>
+          <a:off x="0" y="0"/>
+          <a:ext cx="0" cy="0"/>
+          <a:chOff x="0" y="0"/>
+          <a:chExt cx="0" cy="0"/>
+        </a:xfrm>
+      </p:grpSpPr>
+      <p:sp>
+        <p:nvSpPr>
+          <p:cNvPr id="5" name="标题 1">
+            <a:extLst>
+              <a:ext uri="{FF2B5EF4-FFF2-40B4-BE49-F238E27FC236}">
+                <a16:creationId xmlns:a16="http://schemas.microsoft.com/office/drawing/2014/main" id="{CA232F49-63F2-4D15-9C8D-13FBD4B65C75}"/>
+              </a:ext>
+            </a:extLst>
+          </p:cNvPr>
+          <p:cNvSpPr>
+            <a:spLocks noGrp="1"/>
+          </p:cNvSpPr>
+          <p:nvPr>
+            <p:ph type="title"/>
+          </p:nvPr>
+        </p:nvSpPr>
+        <p:spPr>
+          <a:xfrm>
+            <a:off x="405780" y="5446559"/>
+            <a:ext cx="10971372" cy="1066800"/>
+          </a:xfrm>
+        </p:spPr>
+        <p:txBody>
+          <a:bodyPr>
+            <a:normAutofit/>
+          </a:bodyPr>
+          <a:lstStyle/>
+          <a:p>
+            <a:r>
+              <a:rPr lang="en-US" altLang="zh-CN" dirty="0">
+                <a:latin typeface="Abadi Extra Light" panose="020B0204020104020204" pitchFamily="34" charset="0"/>
+              </a:rPr>
+              <a:t>3.4 data preparation – cleaning and </a:t>
+            </a:r>
+            <a:r>
+              <a:rPr lang="en-US" altLang="zh-CN" sz="3600" dirty="0">
+                <a:latin typeface="Abadi Extra Light" panose="020B0204020104020204" pitchFamily="34" charset="0"/>
+              </a:rPr>
+              <a:t>feature engineering</a:t>
+            </a:r>
+            <a:endParaRPr lang="zh-CN" altLang="en-US" dirty="0">
+              <a:latin typeface="Abadi Extra Light" panose="020B0204020104020204" pitchFamily="34" charset="0"/>
+            </a:endParaRPr>
+          </a:p>
+        </p:txBody>
+      </p:sp>
+      <p:pic>
+        <p:nvPicPr>
+          <p:cNvPr id="7" name="图片 6">
+            <a:extLst>
+              <a:ext uri="{FF2B5EF4-FFF2-40B4-BE49-F238E27FC236}">
+                <a16:creationId xmlns:a16="http://schemas.microsoft.com/office/drawing/2014/main" id="{A6E5C7A6-12DC-41D6-BFE0-870706AB99F0}"/>
+              </a:ext>
+            </a:extLst>
+          </p:cNvPr>
+          <p:cNvPicPr>
+            <a:picLocks noChangeAspect="1"/>
+          </p:cNvPicPr>
+          <p:nvPr/>
+        </p:nvPicPr>
+        <p:blipFill>
+          <a:blip r:embed="rId2"/>
+          <a:stretch>
+            <a:fillRect/>
+          </a:stretch>
+        </p:blipFill>
+        <p:spPr>
+          <a:xfrm>
+            <a:off x="549796" y="331337"/>
+            <a:ext cx="6618322" cy="5442195"/>
+          </a:xfrm>
+          <a:prstGeom prst="rect">
+            <a:avLst/>
+          </a:prstGeom>
+        </p:spPr>
+      </p:pic>
+      <p:pic>
+        <p:nvPicPr>
+          <p:cNvPr id="10" name="图片 9">
+            <a:extLst>
+              <a:ext uri="{FF2B5EF4-FFF2-40B4-BE49-F238E27FC236}">
+                <a16:creationId xmlns:a16="http://schemas.microsoft.com/office/drawing/2014/main" id="{E77C037A-A5D2-4D4D-90CC-14AFADED722A}"/>
+              </a:ext>
+            </a:extLst>
+          </p:cNvPr>
+          <p:cNvPicPr>
+            <a:picLocks noChangeAspect="1"/>
+          </p:cNvPicPr>
+          <p:nvPr/>
+        </p:nvPicPr>
+        <p:blipFill>
+          <a:blip r:embed="rId3"/>
+          <a:stretch>
+            <a:fillRect/>
+          </a:stretch>
+        </p:blipFill>
+        <p:spPr>
+          <a:xfrm>
+            <a:off x="8470676" y="346825"/>
+            <a:ext cx="2700760" cy="5442195"/>
+          </a:xfrm>
+          <a:prstGeom prst="rect">
+            <a:avLst/>
+          </a:prstGeom>
+        </p:spPr>
+      </p:pic>
+      <p:sp>
+        <p:nvSpPr>
+          <p:cNvPr id="12" name="矩形: 圆角 11">
+            <a:extLst>
+              <a:ext uri="{FF2B5EF4-FFF2-40B4-BE49-F238E27FC236}">
+                <a16:creationId xmlns:a16="http://schemas.microsoft.com/office/drawing/2014/main" id="{C49FF456-3027-4FB2-9E30-325076AEDA26}"/>
+              </a:ext>
+            </a:extLst>
+          </p:cNvPr>
+          <p:cNvSpPr/>
+          <p:nvPr/>
+        </p:nvSpPr>
+        <p:spPr>
+          <a:xfrm>
+            <a:off x="8686700" y="3067923"/>
+            <a:ext cx="1656184" cy="504056"/>
+          </a:xfrm>
+          <a:prstGeom prst="roundRect">
+            <a:avLst/>
+          </a:prstGeom>
+          <a:noFill/>
+          <a:ln>
+            <a:solidFill>
+              <a:srgbClr val="C00000"/>
+            </a:solidFill>
+          </a:ln>
+        </p:spPr>
+        <p:style>
+          <a:lnRef idx="0">
+            <a:scrgbClr r="0" g="0" b="0"/>
+          </a:lnRef>
+          <a:fillRef idx="0">
+            <a:scrgbClr r="0" g="0" b="0"/>
+          </a:fillRef>
+          <a:effectRef idx="0">
+            <a:scrgbClr r="0" g="0" b="0"/>
+          </a:effectRef>
+          <a:fontRef idx="minor">
+            <a:schemeClr val="lt1"/>
+          </a:fontRef>
+        </p:style>
+        <p:txBody>
+          <a:bodyPr rtlCol="0" anchor="ctr"/>
+          <a:lstStyle/>
+          <a:p>
+            <a:pPr algn="ctr"/>
+            <a:endParaRPr lang="zh-CN" altLang="en-US" sz="1600" b="1" dirty="0">
+              <a:solidFill>
+                <a:schemeClr val="bg1">
+                  <a:lumMod val="75000"/>
+                </a:schemeClr>
+              </a:solidFill>
+              <a:latin typeface="Abadi Extra Light" panose="020B0204020104020204" pitchFamily="34" charset="0"/>
+            </a:endParaRPr>
+          </a:p>
+        </p:txBody>
+      </p:sp>
+      <p:sp>
+        <p:nvSpPr>
+          <p:cNvPr id="13" name="矩形: 圆角 12">
+            <a:extLst>
+              <a:ext uri="{FF2B5EF4-FFF2-40B4-BE49-F238E27FC236}">
+                <a16:creationId xmlns:a16="http://schemas.microsoft.com/office/drawing/2014/main" id="{019CD06F-34B2-4E9A-9388-0240AE62523F}"/>
+              </a:ext>
+            </a:extLst>
+          </p:cNvPr>
+          <p:cNvSpPr/>
+          <p:nvPr/>
+        </p:nvSpPr>
+        <p:spPr>
+          <a:xfrm>
+            <a:off x="8686700" y="2121243"/>
+            <a:ext cx="1656184" cy="504056"/>
+          </a:xfrm>
+          <a:prstGeom prst="roundRect">
+            <a:avLst/>
+          </a:prstGeom>
+          <a:noFill/>
+          <a:ln>
+            <a:solidFill>
+              <a:srgbClr val="C00000"/>
+            </a:solidFill>
+          </a:ln>
+        </p:spPr>
+        <p:style>
+          <a:lnRef idx="0">
+            <a:scrgbClr r="0" g="0" b="0"/>
+          </a:lnRef>
+          <a:fillRef idx="0">
+            <a:scrgbClr r="0" g="0" b="0"/>
+          </a:fillRef>
+          <a:effectRef idx="0">
+            <a:scrgbClr r="0" g="0" b="0"/>
+          </a:effectRef>
+          <a:fontRef idx="minor">
+            <a:schemeClr val="lt1"/>
+          </a:fontRef>
+        </p:style>
+        <p:txBody>
+          <a:bodyPr rtlCol="0" anchor="ctr"/>
+          <a:lstStyle/>
+          <a:p>
+            <a:pPr algn="ctr"/>
+            <a:endParaRPr lang="zh-CN" altLang="en-US" sz="1600" b="1" dirty="0">
+              <a:solidFill>
+                <a:schemeClr val="bg1">
+                  <a:lumMod val="75000"/>
+                </a:schemeClr>
+              </a:solidFill>
+              <a:latin typeface="Abadi Extra Light" panose="020B0204020104020204" pitchFamily="34" charset="0"/>
+            </a:endParaRPr>
+          </a:p>
+        </p:txBody>
+      </p:sp>
+      <p:sp>
+        <p:nvSpPr>
+          <p:cNvPr id="14" name="矩形: 圆角 13">
+            <a:extLst>
+              <a:ext uri="{FF2B5EF4-FFF2-40B4-BE49-F238E27FC236}">
+                <a16:creationId xmlns:a16="http://schemas.microsoft.com/office/drawing/2014/main" id="{9472F584-BDB9-4E5E-9854-772BDF9734AB}"/>
+              </a:ext>
+            </a:extLst>
+          </p:cNvPr>
+          <p:cNvSpPr/>
+          <p:nvPr/>
+        </p:nvSpPr>
+        <p:spPr>
+          <a:xfrm>
+            <a:off x="657809" y="3090889"/>
+            <a:ext cx="2376264" cy="504056"/>
+          </a:xfrm>
+          <a:prstGeom prst="roundRect">
+            <a:avLst/>
+          </a:prstGeom>
+          <a:noFill/>
+          <a:ln>
+            <a:solidFill>
+              <a:srgbClr val="C00000"/>
+            </a:solidFill>
+          </a:ln>
+        </p:spPr>
+        <p:style>
+          <a:lnRef idx="0">
+            <a:scrgbClr r="0" g="0" b="0"/>
+          </a:lnRef>
+          <a:fillRef idx="0">
+            <a:scrgbClr r="0" g="0" b="0"/>
+          </a:fillRef>
+          <a:effectRef idx="0">
+            <a:scrgbClr r="0" g="0" b="0"/>
+          </a:effectRef>
+          <a:fontRef idx="minor">
+            <a:schemeClr val="lt1"/>
+          </a:fontRef>
+        </p:style>
+        <p:txBody>
+          <a:bodyPr rtlCol="0" anchor="ctr"/>
+          <a:lstStyle/>
+          <a:p>
+            <a:pPr algn="ctr"/>
+            <a:endParaRPr lang="zh-CN" altLang="en-US" sz="1600" b="1" dirty="0">
+              <a:solidFill>
+                <a:schemeClr val="bg1">
+                  <a:lumMod val="75000"/>
+                </a:schemeClr>
+              </a:solidFill>
+              <a:latin typeface="Abadi Extra Light" panose="020B0204020104020204" pitchFamily="34" charset="0"/>
+            </a:endParaRPr>
+          </a:p>
+        </p:txBody>
+      </p:sp>
+    </p:spTree>
+    <p:extLst>
+      <p:ext uri="{BB962C8B-B14F-4D97-AF65-F5344CB8AC3E}">
+        <p14:creationId xmlns:p14="http://schemas.microsoft.com/office/powerpoint/2010/main" val="60254246"/>
       </p:ext>
     </p:extLst>
   </p:cSld>
